--- a/docs/diagrams/LogicComponentSequenceDiagram.pptx
+++ b/docs/diagrams/LogicComponentSequenceDiagram.pptx
@@ -208,7 +208,7 @@
           <a:p>
             <a:fld id="{F5CC4B3F-88C1-4FFA-B1B6-F41C21DC6924}" type="datetimeFigureOut">
               <a:rPr lang="en-US" smtClean="0"/>
-              <a:t>12/15/2018</a:t>
+              <a:t>3/31/2019</a:t>
             </a:fld>
             <a:endParaRPr lang="en-US"/>
           </a:p>
@@ -738,7 +738,7 @@
           <a:p>
             <a:fld id="{78C97017-6FC3-485B-9764-EAC9E56C1D49}" type="datetimeFigureOut">
               <a:rPr lang="en-US" smtClean="0"/>
-              <a:t>12/15/2018</a:t>
+              <a:t>3/31/2019</a:t>
             </a:fld>
             <a:endParaRPr lang="en-US"/>
           </a:p>
@@ -906,7 +906,7 @@
           <a:p>
             <a:fld id="{78C97017-6FC3-485B-9764-EAC9E56C1D49}" type="datetimeFigureOut">
               <a:rPr lang="en-US" smtClean="0"/>
-              <a:t>12/15/2018</a:t>
+              <a:t>3/31/2019</a:t>
             </a:fld>
             <a:endParaRPr lang="en-US"/>
           </a:p>
@@ -1084,7 +1084,7 @@
           <a:p>
             <a:fld id="{78C97017-6FC3-485B-9764-EAC9E56C1D49}" type="datetimeFigureOut">
               <a:rPr lang="en-US" smtClean="0"/>
-              <a:t>12/15/2018</a:t>
+              <a:t>3/31/2019</a:t>
             </a:fld>
             <a:endParaRPr lang="en-US"/>
           </a:p>
@@ -1252,7 +1252,7 @@
           <a:p>
             <a:fld id="{78C97017-6FC3-485B-9764-EAC9E56C1D49}" type="datetimeFigureOut">
               <a:rPr lang="en-US" smtClean="0"/>
-              <a:t>12/15/2018</a:t>
+              <a:t>3/31/2019</a:t>
             </a:fld>
             <a:endParaRPr lang="en-US"/>
           </a:p>
@@ -1497,7 +1497,7 @@
           <a:p>
             <a:fld id="{78C97017-6FC3-485B-9764-EAC9E56C1D49}" type="datetimeFigureOut">
               <a:rPr lang="en-US" smtClean="0"/>
-              <a:t>12/15/2018</a:t>
+              <a:t>3/31/2019</a:t>
             </a:fld>
             <a:endParaRPr lang="en-US"/>
           </a:p>
@@ -1782,7 +1782,7 @@
           <a:p>
             <a:fld id="{78C97017-6FC3-485B-9764-EAC9E56C1D49}" type="datetimeFigureOut">
               <a:rPr lang="en-US" smtClean="0"/>
-              <a:t>12/15/2018</a:t>
+              <a:t>3/31/2019</a:t>
             </a:fld>
             <a:endParaRPr lang="en-US"/>
           </a:p>
@@ -2201,7 +2201,7 @@
           <a:p>
             <a:fld id="{78C97017-6FC3-485B-9764-EAC9E56C1D49}" type="datetimeFigureOut">
               <a:rPr lang="en-US" smtClean="0"/>
-              <a:t>12/15/2018</a:t>
+              <a:t>3/31/2019</a:t>
             </a:fld>
             <a:endParaRPr lang="en-US"/>
           </a:p>
@@ -2318,7 +2318,7 @@
           <a:p>
             <a:fld id="{78C97017-6FC3-485B-9764-EAC9E56C1D49}" type="datetimeFigureOut">
               <a:rPr lang="en-US" smtClean="0"/>
-              <a:t>12/15/2018</a:t>
+              <a:t>3/31/2019</a:t>
             </a:fld>
             <a:endParaRPr lang="en-US"/>
           </a:p>
@@ -2413,7 +2413,7 @@
           <a:p>
             <a:fld id="{78C97017-6FC3-485B-9764-EAC9E56C1D49}" type="datetimeFigureOut">
               <a:rPr lang="en-US" smtClean="0"/>
-              <a:t>12/15/2018</a:t>
+              <a:t>3/31/2019</a:t>
             </a:fld>
             <a:endParaRPr lang="en-US"/>
           </a:p>
@@ -2688,7 +2688,7 @@
           <a:p>
             <a:fld id="{78C97017-6FC3-485B-9764-EAC9E56C1D49}" type="datetimeFigureOut">
               <a:rPr lang="en-US" smtClean="0"/>
-              <a:t>12/15/2018</a:t>
+              <a:t>3/31/2019</a:t>
             </a:fld>
             <a:endParaRPr lang="en-US"/>
           </a:p>
@@ -2940,7 +2940,7 @@
           <a:p>
             <a:fld id="{78C97017-6FC3-485B-9764-EAC9E56C1D49}" type="datetimeFigureOut">
               <a:rPr lang="en-US" smtClean="0"/>
-              <a:t>12/15/2018</a:t>
+              <a:t>3/31/2019</a:t>
             </a:fld>
             <a:endParaRPr lang="en-US"/>
           </a:p>
@@ -3151,7 +3151,7 @@
           <a:p>
             <a:fld id="{78C97017-6FC3-485B-9764-EAC9E56C1D49}" type="datetimeFigureOut">
               <a:rPr lang="en-US" smtClean="0"/>
-              <a:t>12/15/2018</a:t>
+              <a:t>3/31/2019</a:t>
             </a:fld>
             <a:endParaRPr lang="en-US"/>
           </a:p>
@@ -3683,7 +3683,7 @@
         </p:nvGrpSpPr>
         <p:grpSpPr>
           <a:xfrm>
-            <a:off x="910815" y="2146326"/>
+            <a:off x="361764" y="2146326"/>
             <a:ext cx="324036" cy="573410"/>
             <a:chOff x="3239901" y="4149080"/>
             <a:chExt cx="648072" cy="1146820"/>
@@ -4049,7 +4049,7 @@
         </p:nvSpPr>
         <p:spPr>
           <a:xfrm>
-            <a:off x="5215412" y="2213466"/>
+            <a:off x="5410200" y="2226801"/>
             <a:ext cx="1093635" cy="346760"/>
           </a:xfrm>
           <a:prstGeom prst="rect">
@@ -4110,7 +4110,7 @@
         </p:nvCxnSpPr>
         <p:spPr>
           <a:xfrm>
-            <a:off x="5762229" y="2577137"/>
+            <a:off x="5957017" y="2590472"/>
             <a:ext cx="0" cy="2236189"/>
           </a:xfrm>
           <a:prstGeom prst="line">
@@ -4147,7 +4147,7 @@
         </p:nvSpPr>
         <p:spPr>
           <a:xfrm>
-            <a:off x="5690221" y="3143948"/>
+            <a:off x="5885009" y="3157283"/>
             <a:ext cx="142006" cy="476510"/>
           </a:xfrm>
           <a:prstGeom prst="rect">
@@ -4199,9 +4199,9 @@
           <p:nvPr/>
         </p:nvCxnSpPr>
         <p:spPr>
-          <a:xfrm flipV="1">
-            <a:off x="1263008" y="2931519"/>
-            <a:ext cx="1095607" cy="1"/>
+          <a:xfrm>
+            <a:off x="574597" y="2931519"/>
+            <a:ext cx="1784018" cy="1"/>
           </a:xfrm>
           <a:prstGeom prst="straightConnector1">
             <a:avLst/>
@@ -4236,8 +4236,8 @@
         </p:nvSpPr>
         <p:spPr>
           <a:xfrm>
-            <a:off x="1345305" y="2989204"/>
-            <a:ext cx="860170" cy="215444"/>
+            <a:off x="737500" y="2989204"/>
+            <a:ext cx="1467975" cy="215444"/>
           </a:xfrm>
           <a:prstGeom prst="rect">
             <a:avLst/>
@@ -4253,7 +4253,7 @@
             <a:pPr algn="ctr"/>
             <a:r>
               <a:rPr lang="en-US" sz="1400" dirty="0"/>
-              <a:t>delete 1</a:t>
+              <a:t>delete employee 1</a:t>
             </a:r>
           </a:p>
         </p:txBody>
@@ -4305,7 +4305,7 @@
         <p:spPr>
           <a:xfrm>
             <a:off x="2552219" y="3082866"/>
-            <a:ext cx="1424846" cy="215444"/>
+            <a:ext cx="1424846" cy="430887"/>
           </a:xfrm>
           <a:prstGeom prst="rect">
             <a:avLst/>
@@ -4325,7 +4325,7 @@
                   <a:srgbClr val="0070C0"/>
                 </a:solidFill>
               </a:rPr>
-              <a:t>execute(“delete 1”)</a:t>
+              <a:t>execute(“delete employee 1”)</a:t>
             </a:r>
           </a:p>
         </p:txBody>
@@ -4335,13 +4335,14 @@
           <p:cNvPr id="28" name="Straight Arrow Connector 27"/>
           <p:cNvCxnSpPr>
             <a:cxnSpLocks/>
+            <a:endCxn id="21" idx="0"/>
           </p:cNvCxnSpPr>
           <p:nvPr/>
         </p:nvCxnSpPr>
         <p:spPr>
-          <a:xfrm flipV="1">
-            <a:off x="4179031" y="3143948"/>
-            <a:ext cx="1532384" cy="1"/>
+          <a:xfrm>
+            <a:off x="4179031" y="3143950"/>
+            <a:ext cx="1776981" cy="13333"/>
           </a:xfrm>
           <a:prstGeom prst="straightConnector1">
             <a:avLst/>
@@ -4376,8 +4377,8 @@
         </p:nvSpPr>
         <p:spPr>
           <a:xfrm>
-            <a:off x="4371378" y="3150453"/>
-            <a:ext cx="1228707" cy="215444"/>
+            <a:off x="4187392" y="3150453"/>
+            <a:ext cx="1412694" cy="215444"/>
           </a:xfrm>
           <a:prstGeom prst="rect">
             <a:avLst/>
@@ -4397,7 +4398,7 @@
                   <a:srgbClr val="7030A0"/>
                 </a:solidFill>
               </a:rPr>
-              <a:t>deletePerson</a:t>
+              <a:t>deleteEmployee</a:t>
             </a:r>
             <a:r>
               <a:rPr lang="en-US" sz="1400" dirty="0">
@@ -4415,13 +4416,14 @@
           <p:cNvPr id="34" name="Straight Arrow Connector 33"/>
           <p:cNvCxnSpPr>
             <a:cxnSpLocks/>
+            <a:endCxn id="21" idx="2"/>
           </p:cNvCxnSpPr>
           <p:nvPr/>
         </p:nvCxnSpPr>
         <p:spPr>
           <a:xfrm>
-            <a:off x="4157837" y="3594126"/>
-            <a:ext cx="1532384" cy="0"/>
+            <a:off x="4179031" y="3612522"/>
+            <a:ext cx="1776981" cy="21271"/>
           </a:xfrm>
           <a:prstGeom prst="straightConnector1">
             <a:avLst/>
@@ -4500,8 +4502,8 @@
         </p:nvCxnSpPr>
         <p:spPr>
           <a:xfrm>
-            <a:off x="1263008" y="4657260"/>
-            <a:ext cx="1087245" cy="0"/>
+            <a:off x="595766" y="4657260"/>
+            <a:ext cx="1754487" cy="0"/>
           </a:xfrm>
           <a:prstGeom prst="straightConnector1">
             <a:avLst/>
@@ -4740,7 +4742,7 @@
         </p:nvSpPr>
         <p:spPr>
           <a:xfrm>
-            <a:off x="4484157" y="3921005"/>
+            <a:off x="4528815" y="3905816"/>
             <a:ext cx="2466828" cy="215444"/>
           </a:xfrm>
           <a:prstGeom prst="rect">
@@ -4763,7 +4765,7 @@
                   </a:schemeClr>
                 </a:solidFill>
               </a:rPr>
-              <a:t>saveAddressBook</a:t>
+              <a:t>savePocketProject</a:t>
             </a:r>
             <a:r>
               <a:rPr lang="en-US" sz="1400" dirty="0">
@@ -4783,7 +4785,7 @@
                   </a:schemeClr>
                 </a:solidFill>
               </a:rPr>
-              <a:t>AddressBook</a:t>
+              <a:t>PocketProject</a:t>
             </a:r>
             <a:r>
               <a:rPr lang="en-US" sz="1400" dirty="0">
@@ -4808,7 +4810,7 @@
         </p:nvCxnSpPr>
         <p:spPr>
           <a:xfrm>
-            <a:off x="1072833" y="2712598"/>
+            <a:off x="523782" y="2712598"/>
             <a:ext cx="0" cy="2100728"/>
           </a:xfrm>
           <a:prstGeom prst="line">
